--- a/KI Grundlagen.pptx
+++ b/KI Grundlagen.pptx
@@ -12,6 +12,7 @@
     <p:sldId id="257" r:id="rId6"/>
     <p:sldId id="261" r:id="rId7"/>
     <p:sldId id="260" r:id="rId8"/>
+    <p:sldId id="263" r:id="rId9"/>
   </p:sldIdLst>
   <p:sldSz cx="12192000" cy="6858000"/>
   <p:notesSz cx="6858000" cy="9144000"/>
@@ -265,7 +266,7 @@
           <a:p>
             <a:fld id="{BCACF5CE-CE6F-4B33-8271-848EF84474F6}" type="datetimeFigureOut">
               <a:rPr lang="de-DE" smtClean="0"/>
-              <a:t>05.06.2024</a:t>
+              <a:t>07.06.2024</a:t>
             </a:fld>
             <a:endParaRPr lang="de-DE"/>
           </a:p>
@@ -463,7 +464,7 @@
           <a:p>
             <a:fld id="{BCACF5CE-CE6F-4B33-8271-848EF84474F6}" type="datetimeFigureOut">
               <a:rPr lang="de-DE" smtClean="0"/>
-              <a:t>05.06.2024</a:t>
+              <a:t>07.06.2024</a:t>
             </a:fld>
             <a:endParaRPr lang="de-DE"/>
           </a:p>
@@ -671,7 +672,7 @@
           <a:p>
             <a:fld id="{BCACF5CE-CE6F-4B33-8271-848EF84474F6}" type="datetimeFigureOut">
               <a:rPr lang="de-DE" smtClean="0"/>
-              <a:t>05.06.2024</a:t>
+              <a:t>07.06.2024</a:t>
             </a:fld>
             <a:endParaRPr lang="de-DE"/>
           </a:p>
@@ -869,7 +870,7 @@
           <a:p>
             <a:fld id="{BCACF5CE-CE6F-4B33-8271-848EF84474F6}" type="datetimeFigureOut">
               <a:rPr lang="de-DE" smtClean="0"/>
-              <a:t>05.06.2024</a:t>
+              <a:t>07.06.2024</a:t>
             </a:fld>
             <a:endParaRPr lang="de-DE"/>
           </a:p>
@@ -1144,7 +1145,7 @@
           <a:p>
             <a:fld id="{BCACF5CE-CE6F-4B33-8271-848EF84474F6}" type="datetimeFigureOut">
               <a:rPr lang="de-DE" smtClean="0"/>
-              <a:t>05.06.2024</a:t>
+              <a:t>07.06.2024</a:t>
             </a:fld>
             <a:endParaRPr lang="de-DE"/>
           </a:p>
@@ -1409,7 +1410,7 @@
           <a:p>
             <a:fld id="{BCACF5CE-CE6F-4B33-8271-848EF84474F6}" type="datetimeFigureOut">
               <a:rPr lang="de-DE" smtClean="0"/>
-              <a:t>05.06.2024</a:t>
+              <a:t>07.06.2024</a:t>
             </a:fld>
             <a:endParaRPr lang="de-DE"/>
           </a:p>
@@ -1821,7 +1822,7 @@
           <a:p>
             <a:fld id="{BCACF5CE-CE6F-4B33-8271-848EF84474F6}" type="datetimeFigureOut">
               <a:rPr lang="de-DE" smtClean="0"/>
-              <a:t>05.06.2024</a:t>
+              <a:t>07.06.2024</a:t>
             </a:fld>
             <a:endParaRPr lang="de-DE"/>
           </a:p>
@@ -1962,7 +1963,7 @@
           <a:p>
             <a:fld id="{BCACF5CE-CE6F-4B33-8271-848EF84474F6}" type="datetimeFigureOut">
               <a:rPr lang="de-DE" smtClean="0"/>
-              <a:t>05.06.2024</a:t>
+              <a:t>07.06.2024</a:t>
             </a:fld>
             <a:endParaRPr lang="de-DE"/>
           </a:p>
@@ -2075,7 +2076,7 @@
           <a:p>
             <a:fld id="{BCACF5CE-CE6F-4B33-8271-848EF84474F6}" type="datetimeFigureOut">
               <a:rPr lang="de-DE" smtClean="0"/>
-              <a:t>05.06.2024</a:t>
+              <a:t>07.06.2024</a:t>
             </a:fld>
             <a:endParaRPr lang="de-DE"/>
           </a:p>
@@ -2386,7 +2387,7 @@
           <a:p>
             <a:fld id="{BCACF5CE-CE6F-4B33-8271-848EF84474F6}" type="datetimeFigureOut">
               <a:rPr lang="de-DE" smtClean="0"/>
-              <a:t>05.06.2024</a:t>
+              <a:t>07.06.2024</a:t>
             </a:fld>
             <a:endParaRPr lang="de-DE"/>
           </a:p>
@@ -2674,7 +2675,7 @@
           <a:p>
             <a:fld id="{BCACF5CE-CE6F-4B33-8271-848EF84474F6}" type="datetimeFigureOut">
               <a:rPr lang="de-DE" smtClean="0"/>
-              <a:t>05.06.2024</a:t>
+              <a:t>07.06.2024</a:t>
             </a:fld>
             <a:endParaRPr lang="de-DE"/>
           </a:p>
@@ -2917,7 +2918,7 @@
             <a:fld id="{BCACF5CE-CE6F-4B33-8271-848EF84474F6}" type="datetimeFigureOut">
               <a:rPr lang="de-DE" smtClean="0"/>
               <a:pPr/>
-              <a:t>05.06.2024</a:t>
+              <a:t>07.06.2024</a:t>
             </a:fld>
             <a:endParaRPr lang="de-DE"/>
           </a:p>
@@ -3755,6 +3756,53 @@
           </a:p>
         </p:txBody>
       </p:sp>
+      <p:sp>
+        <p:nvSpPr>
+          <p:cNvPr id="5" name="Rechteck 4">
+            <a:extLst>
+              <a:ext uri="{FF2B5EF4-FFF2-40B4-BE49-F238E27FC236}">
+                <a16:creationId xmlns:a16="http://schemas.microsoft.com/office/drawing/2014/main" id="{640CEA2A-00BB-8D90-8B6F-85A43CF06996}"/>
+              </a:ext>
+            </a:extLst>
+          </p:cNvPr>
+          <p:cNvSpPr/>
+          <p:nvPr/>
+        </p:nvSpPr>
+        <p:spPr>
+          <a:xfrm>
+            <a:off x="357510" y="529389"/>
+            <a:ext cx="1010652" cy="372551"/>
+          </a:xfrm>
+          <a:prstGeom prst="rect">
+            <a:avLst/>
+          </a:prstGeom>
+          <a:ln>
+            <a:noFill/>
+          </a:ln>
+        </p:spPr>
+        <p:style>
+          <a:lnRef idx="2">
+            <a:schemeClr val="accent1"/>
+          </a:lnRef>
+          <a:fillRef idx="1">
+            <a:schemeClr val="lt1"/>
+          </a:fillRef>
+          <a:effectRef idx="0">
+            <a:schemeClr val="accent1"/>
+          </a:effectRef>
+          <a:fontRef idx="minor">
+            <a:schemeClr val="dk1"/>
+          </a:fontRef>
+        </p:style>
+        <p:txBody>
+          <a:bodyPr rtlCol="0" anchor="ctr"/>
+          <a:lstStyle/>
+          <a:p>
+            <a:pPr algn="ctr"/>
+            <a:endParaRPr lang="de-DE"/>
+          </a:p>
+        </p:txBody>
+      </p:sp>
     </p:spTree>
     <p:extLst>
       <p:ext uri="{BB962C8B-B14F-4D97-AF65-F5344CB8AC3E}">
@@ -3868,7 +3916,19 @@
               <a:rPr lang="de-DE" dirty="0">
                 <a:sym typeface="Wingdings" panose="05000000000000000000" pitchFamily="2" charset="2"/>
               </a:rPr>
-              <a:t> Durch (teilweise menschlich unterstütztes) Trainieren eines Rechenmodells können Probleme gelöst werden. Dabei spielt mathematische Logik und Wahrscheinlichkeiten eine große Rolle.</a:t>
+              <a:t> Durch (teilweise menschlich unterstütztes) </a:t>
+            </a:r>
+            <a:r>
+              <a:rPr lang="de-DE" b="1" dirty="0">
+                <a:sym typeface="Wingdings" panose="05000000000000000000" pitchFamily="2" charset="2"/>
+              </a:rPr>
+              <a:t>Trainieren</a:t>
+            </a:r>
+            <a:r>
+              <a:rPr lang="de-DE" dirty="0">
+                <a:sym typeface="Wingdings" panose="05000000000000000000" pitchFamily="2" charset="2"/>
+              </a:rPr>
+              <a:t> eines Rechenmodells können Probleme gelöst werden. Dabei spielt mathematische Logik und Wahrscheinlichkeiten eine große Rolle.</a:t>
             </a:r>
             <a:endParaRPr lang="de-DE" dirty="0"/>
           </a:p>
@@ -4033,7 +4093,7 @@
         </p:spPr>
         <p:txBody>
           <a:bodyPr>
-            <a:normAutofit fontScale="92500" lnSpcReduction="10000"/>
+            <a:normAutofit fontScale="92500" lnSpcReduction="20000"/>
           </a:bodyPr>
           <a:lstStyle/>
           <a:p>
@@ -4071,6 +4131,13 @@
             </a:r>
           </a:p>
           <a:p>
+            <a:pPr lvl="1"/>
+            <a:r>
+              <a:rPr lang="de-DE" dirty="0"/>
+              <a:t>U.v.a.m. z.B. Finanzassistenz/-beratung, Medizinische Diagnostik und Planung, Programmierung, Dokumentenerstellung und -suche) </a:t>
+            </a:r>
+          </a:p>
+          <a:p>
             <a:r>
               <a:rPr lang="de-DE" dirty="0"/>
               <a:t>Generative KI</a:t>
@@ -4079,8 +4146,12 @@
           <a:p>
             <a:pPr lvl="1"/>
             <a:r>
-              <a:rPr lang="de-DE" dirty="0"/>
-              <a:t>LLM </a:t>
+              <a:rPr lang="de-DE" b="1" dirty="0"/>
+              <a:t>LLM</a:t>
+            </a:r>
+            <a:r>
+              <a:rPr lang="de-DE" dirty="0"/>
+              <a:t> </a:t>
             </a:r>
             <a:r>
               <a:rPr lang="de-DE" dirty="0">
@@ -4142,65 +4213,93 @@
               <a:rPr lang="de-DE" dirty="0">
                 <a:sym typeface="Wingdings" panose="05000000000000000000" pitchFamily="2" charset="2"/>
               </a:rPr>
-              <a:t>)</a:t>
-            </a:r>
-          </a:p>
-          <a:p>
-            <a:pPr lvl="1"/>
-            <a:r>
-              <a:rPr lang="de-DE" dirty="0"/>
-              <a:t>Musikgeneratoren (</a:t>
-            </a:r>
-            <a:r>
-              <a:rPr lang="de-DE" dirty="0" err="1"/>
-              <a:t>MuseNet</a:t>
-            </a:r>
-            <a:r>
-              <a:rPr lang="de-DE" dirty="0"/>
               <a:t>, </a:t>
             </a:r>
             <a:r>
-              <a:rPr lang="de-DE" dirty="0" err="1"/>
-              <a:t>Udio</a:t>
-            </a:r>
-            <a:r>
-              <a:rPr lang="de-DE" dirty="0"/>
-              <a:t>, </a:t>
-            </a:r>
-            <a:r>
-              <a:rPr lang="de-DE" dirty="0" err="1"/>
-              <a:t>Suno</a:t>
-            </a:r>
-            <a:r>
-              <a:rPr lang="de-DE" dirty="0"/>
-              <a:t>)</a:t>
-            </a:r>
-          </a:p>
-          <a:p>
-            <a:pPr lvl="1"/>
-            <a:r>
-              <a:rPr lang="de-DE" dirty="0"/>
-              <a:t>Videogeneratoren (Sora, </a:t>
-            </a:r>
-            <a:r>
-              <a:rPr lang="de-DE" dirty="0" err="1"/>
-              <a:t>Synthesia</a:t>
-            </a:r>
-            <a:r>
-              <a:rPr lang="de-DE" dirty="0"/>
-              <a:t>, Invideo.io)</a:t>
-            </a:r>
-          </a:p>
-          <a:p>
-            <a:r>
-              <a:rPr lang="de-DE" dirty="0"/>
-              <a:t>AGI (Allumfassende Generische KI)  </a:t>
+              <a:rPr lang="de-DE" dirty="0" err="1">
+                <a:sym typeface="Wingdings" panose="05000000000000000000" pitchFamily="2" charset="2"/>
+              </a:rPr>
+              <a:t>Stable</a:t>
             </a:r>
             <a:r>
               <a:rPr lang="de-DE" dirty="0">
                 <a:sym typeface="Wingdings" panose="05000000000000000000" pitchFamily="2" charset="2"/>
               </a:rPr>
-              <a:t> Zukunft</a:t>
+              <a:t> Diffusion)</a:t>
+            </a:r>
+          </a:p>
+          <a:p>
+            <a:pPr lvl="1"/>
+            <a:r>
+              <a:rPr lang="de-DE" dirty="0"/>
+              <a:t>Musikgeneratoren (</a:t>
+            </a:r>
+            <a:r>
+              <a:rPr lang="de-DE" dirty="0" err="1"/>
+              <a:t>MuseNet</a:t>
+            </a:r>
+            <a:r>
+              <a:rPr lang="de-DE" dirty="0"/>
+              <a:t>, </a:t>
+            </a:r>
+            <a:r>
+              <a:rPr lang="de-DE" dirty="0" err="1"/>
+              <a:t>Udio</a:t>
+            </a:r>
+            <a:r>
+              <a:rPr lang="de-DE" dirty="0"/>
+              <a:t>, </a:t>
+            </a:r>
+            <a:r>
+              <a:rPr lang="de-DE" dirty="0" err="1"/>
+              <a:t>Suno</a:t>
+            </a:r>
+            <a:r>
+              <a:rPr lang="de-DE" dirty="0"/>
+              <a:t>)</a:t>
+            </a:r>
+          </a:p>
+          <a:p>
+            <a:pPr lvl="1"/>
+            <a:r>
+              <a:rPr lang="de-DE" dirty="0"/>
+              <a:t>Videogeneratoren (Sora, </a:t>
+            </a:r>
+            <a:r>
+              <a:rPr lang="de-DE" dirty="0" err="1"/>
+              <a:t>Synthesia</a:t>
+            </a:r>
+            <a:r>
+              <a:rPr lang="de-DE" dirty="0"/>
+              <a:t>, Invideo.io)</a:t>
+            </a:r>
+          </a:p>
+          <a:p>
+            <a:r>
+              <a:rPr lang="de-DE" dirty="0"/>
+              <a:t>AGI (</a:t>
+            </a:r>
+            <a:r>
+              <a:rPr lang="de-DE" dirty="0" err="1"/>
+              <a:t>Artificial</a:t>
+            </a:r>
+            <a:r>
+              <a:rPr lang="de-DE" dirty="0"/>
+              <a:t> General </a:t>
+            </a:r>
+            <a:r>
+              <a:rPr lang="de-DE" dirty="0" err="1"/>
+              <a:t>Intelligence</a:t>
+            </a:r>
+            <a:r>
+              <a:rPr lang="de-DE" dirty="0"/>
+              <a:t>)  </a:t>
+            </a:r>
+            <a:r>
+              <a:rPr lang="de-DE" dirty="0">
+                <a:sym typeface="Wingdings" panose="05000000000000000000" pitchFamily="2" charset="2"/>
+              </a:rPr>
+              <a:t> Zukunftsmodell</a:t>
             </a:r>
             <a:endParaRPr lang="de-DE" dirty="0"/>
           </a:p>
@@ -4377,18 +4476,24 @@
         </p:nvSpPr>
         <p:spPr>
           <a:xfrm>
-            <a:off x="343760" y="2020142"/>
-            <a:ext cx="5577616" cy="4837858"/>
+            <a:off x="343760" y="2138183"/>
+            <a:ext cx="5577616" cy="4578876"/>
           </a:xfrm>
         </p:spPr>
         <p:txBody>
           <a:bodyPr>
-            <a:normAutofit lnSpcReduction="10000"/>
+            <a:normAutofit fontScale="85000" lnSpcReduction="20000"/>
           </a:bodyPr>
           <a:lstStyle/>
           <a:p>
             <a:r>
               <a:rPr lang="de-DE" dirty="0"/>
+              <a:t>Läuft auf dem eigenen Gerät</a:t>
+            </a:r>
+          </a:p>
+          <a:p>
+            <a:r>
+              <a:rPr lang="de-DE" dirty="0"/>
               <a:t>Muss mit den lokalen Ressourcen zurechtkommen</a:t>
             </a:r>
           </a:p>
@@ -4413,7 +4518,7 @@
           <a:p>
             <a:r>
               <a:rPr lang="de-DE" dirty="0"/>
-              <a:t>Urheberrechtlich unproblematisch</a:t>
+              <a:t>Urheberrechtlich weitgehend unproblematisch</a:t>
             </a:r>
           </a:p>
           <a:p>
@@ -4495,25 +4600,31 @@
         </p:nvSpPr>
         <p:spPr>
           <a:xfrm>
-            <a:off x="6096000" y="2020141"/>
-            <a:ext cx="5183188" cy="4287611"/>
+            <a:off x="6096000" y="2138183"/>
+            <a:ext cx="5183188" cy="4169569"/>
           </a:xfrm>
         </p:spPr>
         <p:txBody>
           <a:bodyPr>
-            <a:normAutofit lnSpcReduction="10000"/>
+            <a:normAutofit fontScale="85000" lnSpcReduction="20000"/>
           </a:bodyPr>
           <a:lstStyle/>
           <a:p>
             <a:r>
               <a:rPr lang="de-DE" dirty="0"/>
+              <a:t>Läuft bei einem Online-Anbieter</a:t>
+            </a:r>
+          </a:p>
+          <a:p>
+            <a:r>
+              <a:rPr lang="de-DE" dirty="0"/>
               <a:t>Hat viel mehr Ressourcen zur Verfügung</a:t>
             </a:r>
           </a:p>
           <a:p>
             <a:r>
               <a:rPr lang="de-DE" dirty="0"/>
-              <a:t>Große Online-Anbieter beherrschen den Markt</a:t>
+              <a:t>Spezielle KI-Rechenzentren</a:t>
             </a:r>
           </a:p>
           <a:p>
@@ -4525,7 +4636,7 @@
           <a:p>
             <a:r>
               <a:rPr lang="de-DE" dirty="0"/>
-              <a:t>Datenschutzproblematik</a:t>
+              <a:t>Datenschutzproblematik bei eigenen Daten</a:t>
             </a:r>
           </a:p>
           <a:p>
@@ -4631,8 +4742,8 @@
         </p:nvSpPr>
         <p:spPr>
           <a:xfrm>
-            <a:off x="838200" y="1010654"/>
-            <a:ext cx="10515600" cy="5847346"/>
+            <a:off x="838200" y="1196284"/>
+            <a:ext cx="10515600" cy="5661716"/>
           </a:xfrm>
         </p:spPr>
         <p:txBody>
@@ -4792,7 +4903,7 @@
             <a:pPr lvl="1"/>
             <a:r>
               <a:rPr lang="de-DE" dirty="0"/>
-              <a:t>Matrixmultiplikationen</a:t>
+              <a:t>Matrixmultiplikationen und andere Matrixoperationen</a:t>
             </a:r>
           </a:p>
           <a:p>
@@ -4870,7 +4981,7 @@
         </p:blipFill>
         <p:spPr bwMode="auto">
           <a:xfrm>
-            <a:off x="9456819" y="2479043"/>
+            <a:off x="9071808" y="2609672"/>
             <a:ext cx="2430379" cy="1505219"/>
           </a:xfrm>
           <a:prstGeom prst="rect">
@@ -5008,7 +5119,7 @@
           <a:p>
             <a:r>
               <a:rPr lang="de-DE" dirty="0"/>
-              <a:t>Intel Core Ultra CPU</a:t>
+              <a:t>Intel Core Ultra CPU (Moon Lake)</a:t>
             </a:r>
           </a:p>
           <a:p>
@@ -5113,7 +5224,7 @@
         </p:blipFill>
         <p:spPr bwMode="auto">
           <a:xfrm>
-            <a:off x="8588039" y="1960938"/>
+            <a:off x="9089928" y="1960938"/>
             <a:ext cx="1794712" cy="1794713"/>
           </a:xfrm>
           <a:prstGeom prst="rect">
@@ -5160,8 +5271,8 @@
         </p:blipFill>
         <p:spPr bwMode="auto">
           <a:xfrm>
-            <a:off x="8228967" y="4483768"/>
-            <a:ext cx="3836953" cy="2144421"/>
+            <a:off x="8760673" y="4780931"/>
+            <a:ext cx="3305247" cy="1847258"/>
           </a:xfrm>
           <a:prstGeom prst="rect">
             <a:avLst/>
@@ -5205,8 +5316,8 @@
         </p:blipFill>
         <p:spPr bwMode="auto">
           <a:xfrm>
-            <a:off x="6246253" y="2929787"/>
-            <a:ext cx="2082055" cy="2143014"/>
+            <a:off x="6644007" y="2776694"/>
+            <a:ext cx="2238736" cy="2304282"/>
           </a:xfrm>
           <a:prstGeom prst="rect">
             <a:avLst/>
@@ -5310,7 +5421,7 @@
         </p:spPr>
         <p:txBody>
           <a:bodyPr>
-            <a:normAutofit/>
+            <a:normAutofit lnSpcReduction="10000"/>
           </a:bodyPr>
           <a:lstStyle/>
           <a:p>
@@ -5340,6 +5451,42 @@
             <a:r>
               <a:rPr lang="de-DE" dirty="0"/>
               <a:t> (Nvidia) 50 Gbit/s pro Link, möglich sind mehrere 100Gb/s</a:t>
+            </a:r>
+          </a:p>
+          <a:p>
+            <a:pPr lvl="1"/>
+            <a:r>
+              <a:rPr lang="de-DE" dirty="0"/>
+              <a:t>Nvidia konzentriert sich inzwischen auf KI-spezialisierte Boards und </a:t>
+            </a:r>
+            <a:r>
+              <a:rPr lang="de-DE" dirty="0" err="1"/>
+              <a:t>Rackserver</a:t>
+            </a:r>
+            <a:r>
+              <a:rPr lang="de-DE" dirty="0"/>
+              <a:t>, die mit </a:t>
+            </a:r>
+            <a:r>
+              <a:rPr lang="de-DE" dirty="0" err="1"/>
+              <a:t>NVLink</a:t>
+            </a:r>
+            <a:r>
+              <a:rPr lang="de-DE" dirty="0"/>
+              <a:t> vernetzt sind </a:t>
+            </a:r>
+            <a:br>
+              <a:rPr lang="de-DE" dirty="0"/>
+            </a:br>
+            <a:r>
+              <a:rPr lang="de-DE" dirty="0">
+                <a:hlinkClick r:id="rId2"/>
+              </a:rPr>
+              <a:t>https://www.nvidia.com/de-de/data-center/gb200-nvl72/</a:t>
+            </a:r>
+            <a:r>
+              <a:rPr lang="de-DE" dirty="0"/>
+              <a:t> </a:t>
             </a:r>
           </a:p>
           <a:p>
@@ -5377,25 +5524,7 @@
           <a:p>
             <a:r>
               <a:rPr lang="de-DE" dirty="0"/>
-              <a:t>PCIe ist wesentlich langsamer</a:t>
-            </a:r>
-          </a:p>
-          <a:p>
-            <a:r>
-              <a:rPr lang="de-DE" dirty="0" err="1"/>
-              <a:t>NVLink</a:t>
-            </a:r>
-            <a:r>
-              <a:rPr lang="de-DE" dirty="0"/>
-              <a:t> und </a:t>
-            </a:r>
-            <a:r>
-              <a:rPr lang="de-DE" dirty="0" err="1"/>
-              <a:t>UALink</a:t>
-            </a:r>
-            <a:r>
-              <a:rPr lang="de-DE" dirty="0"/>
-              <a:t> erlauben gemeinsames RAM</a:t>
+              <a:t>PCIe ist für größere KI-GPU Netze ungeeignet </a:t>
             </a:r>
           </a:p>
         </p:txBody>
@@ -5415,7 +5544,7 @@
           <p:nvPr/>
         </p:nvPicPr>
         <p:blipFill>
-          <a:blip r:embed="rId2">
+          <a:blip r:embed="rId3">
             <a:extLst>
               <a:ext uri="{28A0092B-C50C-407E-A947-70E740481C1C}">
                 <a14:useLocalDpi xmlns:a14="http://schemas.microsoft.com/office/drawing/2010/main" val="0"/>
@@ -5462,7 +5591,7 @@
           <p:nvPr/>
         </p:nvPicPr>
         <p:blipFill>
-          <a:blip r:embed="rId3">
+          <a:blip r:embed="rId4">
             <a:extLst>
               <a:ext uri="{28A0092B-C50C-407E-A947-70E740481C1C}">
                 <a14:useLocalDpi xmlns:a14="http://schemas.microsoft.com/office/drawing/2010/main" val="0"/>
@@ -5498,6 +5627,380 @@
     <p:extLst>
       <p:ext uri="{BB962C8B-B14F-4D97-AF65-F5344CB8AC3E}">
         <p14:creationId xmlns:p14="http://schemas.microsoft.com/office/powerpoint/2010/main" val="95006041"/>
+      </p:ext>
+    </p:extLst>
+  </p:cSld>
+  <p:clrMapOvr>
+    <a:masterClrMapping/>
+  </p:clrMapOvr>
+</p:sld>
+</file>
+
+<file path=ppt/slides/slide8.xml><?xml version="1.0" encoding="utf-8"?>
+<p:sld xmlns:a="http://schemas.openxmlformats.org/drawingml/2006/main" xmlns:r="http://schemas.openxmlformats.org/officeDocument/2006/relationships" xmlns:p="http://schemas.openxmlformats.org/presentationml/2006/main">
+  <p:cSld>
+    <p:spTree>
+      <p:nvGrpSpPr>
+        <p:cNvPr id="1" name=""/>
+        <p:cNvGrpSpPr/>
+        <p:nvPr/>
+      </p:nvGrpSpPr>
+      <p:grpSpPr>
+        <a:xfrm>
+          <a:off x="0" y="0"/>
+          <a:ext cx="0" cy="0"/>
+          <a:chOff x="0" y="0"/>
+          <a:chExt cx="0" cy="0"/>
+        </a:xfrm>
+      </p:grpSpPr>
+      <p:sp>
+        <p:nvSpPr>
+          <p:cNvPr id="2" name="Titel 1">
+            <a:extLst>
+              <a:ext uri="{FF2B5EF4-FFF2-40B4-BE49-F238E27FC236}">
+                <a16:creationId xmlns:a16="http://schemas.microsoft.com/office/drawing/2014/main" id="{A462FAFB-2F25-128F-A186-DE9E3842B313}"/>
+              </a:ext>
+            </a:extLst>
+          </p:cNvPr>
+          <p:cNvSpPr>
+            <a:spLocks noGrp="1"/>
+          </p:cNvSpPr>
+          <p:nvPr>
+            <p:ph type="title"/>
+          </p:nvPr>
+        </p:nvSpPr>
+        <p:spPr>
+          <a:xfrm>
+            <a:off x="838200" y="220746"/>
+            <a:ext cx="10515600" cy="1325563"/>
+          </a:xfrm>
+        </p:spPr>
+        <p:txBody>
+          <a:bodyPr/>
+          <a:lstStyle/>
+          <a:p>
+            <a:r>
+              <a:rPr lang="de-DE" dirty="0"/>
+              <a:t>Links</a:t>
+            </a:r>
+          </a:p>
+        </p:txBody>
+      </p:sp>
+      <p:sp>
+        <p:nvSpPr>
+          <p:cNvPr id="3" name="Inhaltsplatzhalter 2">
+            <a:extLst>
+              <a:ext uri="{FF2B5EF4-FFF2-40B4-BE49-F238E27FC236}">
+                <a16:creationId xmlns:a16="http://schemas.microsoft.com/office/drawing/2014/main" id="{081D9EFD-2B06-EDC8-795B-948981F293D0}"/>
+              </a:ext>
+            </a:extLst>
+          </p:cNvPr>
+          <p:cNvSpPr>
+            <a:spLocks noGrp="1"/>
+          </p:cNvSpPr>
+          <p:nvPr>
+            <p:ph idx="1"/>
+          </p:nvPr>
+        </p:nvSpPr>
+        <p:spPr>
+          <a:xfrm>
+            <a:off x="838199" y="1313161"/>
+            <a:ext cx="11159003" cy="5486401"/>
+          </a:xfrm>
+        </p:spPr>
+        <p:txBody>
+          <a:bodyPr>
+            <a:normAutofit/>
+          </a:bodyPr>
+          <a:lstStyle/>
+          <a:p>
+            <a:r>
+              <a:rPr lang="fr-FR" dirty="0">
+                <a:hlinkClick r:id="rId2"/>
+              </a:rPr>
+              <a:t>https://stablediffusionweb.com/</a:t>
+            </a:r>
+            <a:r>
+              <a:rPr lang="fr-FR" dirty="0"/>
+              <a:t> </a:t>
+            </a:r>
+            <a:br>
+              <a:rPr lang="fr-FR" dirty="0"/>
+            </a:br>
+            <a:r>
+              <a:rPr lang="fr-FR" dirty="0"/>
+              <a:t>(</a:t>
+            </a:r>
+            <a:r>
+              <a:rPr lang="fr-FR" dirty="0" err="1"/>
+              <a:t>Text</a:t>
+            </a:r>
+            <a:r>
+              <a:rPr lang="fr-FR" dirty="0"/>
+              <a:t> to Image KI)</a:t>
+            </a:r>
+          </a:p>
+          <a:p>
+            <a:r>
+              <a:rPr lang="fr-FR" dirty="0">
+                <a:hlinkClick r:id="rId3"/>
+              </a:rPr>
+              <a:t>https://stableaudio.com/generate</a:t>
+            </a:r>
+            <a:r>
+              <a:rPr lang="fr-FR" dirty="0"/>
+              <a:t> </a:t>
+            </a:r>
+            <a:br>
+              <a:rPr lang="fr-FR" dirty="0"/>
+            </a:br>
+            <a:r>
+              <a:rPr lang="fr-FR" dirty="0"/>
+              <a:t>(</a:t>
+            </a:r>
+            <a:r>
+              <a:rPr lang="fr-FR" dirty="0" err="1"/>
+              <a:t>Text</a:t>
+            </a:r>
+            <a:r>
+              <a:rPr lang="fr-FR" dirty="0"/>
+              <a:t> to Audio KI)</a:t>
+            </a:r>
+          </a:p>
+          <a:p>
+            <a:r>
+              <a:rPr lang="fr-FR" dirty="0">
+                <a:hlinkClick r:id="rId4"/>
+              </a:rPr>
+              <a:t>https</a:t>
+            </a:r>
+            <a:r>
+              <a:rPr lang="fr-FR" dirty="0">
+                <a:sym typeface="Wingdings" panose="05000000000000000000" pitchFamily="2" charset="2"/>
+                <a:hlinkClick r:id="rId4"/>
+              </a:rPr>
+              <a:t>://invideo.io</a:t>
+            </a:r>
+            <a:r>
+              <a:rPr lang="fr-FR" dirty="0">
+                <a:sym typeface="Wingdings" panose="05000000000000000000" pitchFamily="2" charset="2"/>
+              </a:rPr>
+              <a:t> </a:t>
+            </a:r>
+            <a:br>
+              <a:rPr lang="fr-FR" dirty="0">
+                <a:sym typeface="Wingdings" panose="05000000000000000000" pitchFamily="2" charset="2"/>
+              </a:rPr>
+            </a:br>
+            <a:r>
+              <a:rPr lang="fr-FR" dirty="0">
+                <a:sym typeface="Wingdings" panose="05000000000000000000" pitchFamily="2" charset="2"/>
+              </a:rPr>
+              <a:t>(</a:t>
+            </a:r>
+            <a:r>
+              <a:rPr lang="fr-FR" dirty="0" err="1">
+                <a:sym typeface="Wingdings" panose="05000000000000000000" pitchFamily="2" charset="2"/>
+              </a:rPr>
+              <a:t>Text</a:t>
+            </a:r>
+            <a:r>
+              <a:rPr lang="fr-FR" dirty="0">
+                <a:sym typeface="Wingdings" panose="05000000000000000000" pitchFamily="2" charset="2"/>
+              </a:rPr>
+              <a:t> to </a:t>
+            </a:r>
+            <a:r>
+              <a:rPr lang="fr-FR" dirty="0" err="1">
+                <a:sym typeface="Wingdings" panose="05000000000000000000" pitchFamily="2" charset="2"/>
+              </a:rPr>
+              <a:t>Video</a:t>
+            </a:r>
+            <a:r>
+              <a:rPr lang="fr-FR" dirty="0">
+                <a:sym typeface="Wingdings" panose="05000000000000000000" pitchFamily="2" charset="2"/>
+              </a:rPr>
+              <a:t> KI)</a:t>
+            </a:r>
+          </a:p>
+          <a:p>
+            <a:r>
+              <a:rPr lang="fr-FR" dirty="0">
+                <a:hlinkClick r:id="rId5"/>
+              </a:rPr>
+              <a:t>https://pinokio.computer/</a:t>
+            </a:r>
+            <a:r>
+              <a:rPr lang="fr-FR" dirty="0"/>
+              <a:t> </a:t>
+            </a:r>
+            <a:br>
+              <a:rPr lang="fr-FR" dirty="0"/>
+            </a:br>
+            <a:r>
+              <a:rPr lang="fr-FR" sz="2400" dirty="0"/>
+              <a:t>(</a:t>
+            </a:r>
+            <a:r>
+              <a:rPr lang="fr-FR" sz="2400" dirty="0" err="1"/>
+              <a:t>Pinokio</a:t>
+            </a:r>
+            <a:r>
+              <a:rPr lang="fr-FR" sz="2400" dirty="0"/>
+              <a:t>, </a:t>
+            </a:r>
+            <a:r>
+              <a:rPr lang="fr-FR" sz="2400" dirty="0" err="1"/>
+              <a:t>Plattform</a:t>
+            </a:r>
+            <a:r>
+              <a:rPr lang="fr-FR" sz="2400" dirty="0"/>
+              <a:t> </a:t>
+            </a:r>
+            <a:r>
+              <a:rPr lang="fr-FR" sz="2400" dirty="0" err="1"/>
+              <a:t>zum</a:t>
+            </a:r>
+            <a:r>
+              <a:rPr lang="fr-FR" sz="2400" dirty="0"/>
+              <a:t> </a:t>
+            </a:r>
+            <a:r>
+              <a:rPr lang="fr-FR" sz="2400" dirty="0" err="1"/>
+              <a:t>lokalen</a:t>
+            </a:r>
+            <a:r>
+              <a:rPr lang="fr-FR" sz="2400" dirty="0"/>
+              <a:t> </a:t>
+            </a:r>
+            <a:r>
+              <a:rPr lang="fr-FR" sz="2400" dirty="0" err="1"/>
+              <a:t>Ausführen</a:t>
+            </a:r>
+            <a:r>
+              <a:rPr lang="fr-FR" sz="2400" dirty="0"/>
+              <a:t> </a:t>
+            </a:r>
+            <a:r>
+              <a:rPr lang="fr-FR" sz="2400" dirty="0" err="1"/>
+              <a:t>u.a</a:t>
+            </a:r>
+            <a:r>
+              <a:rPr lang="fr-FR" sz="2400" dirty="0"/>
+              <a:t>. von KI-</a:t>
+            </a:r>
+            <a:r>
+              <a:rPr lang="fr-FR" sz="2400" dirty="0" err="1"/>
+              <a:t>Applikationen</a:t>
+            </a:r>
+            <a:r>
+              <a:rPr lang="fr-FR" sz="2400" dirty="0"/>
+              <a:t>)</a:t>
+            </a:r>
+          </a:p>
+          <a:p>
+            <a:r>
+              <a:rPr lang="fr-FR" dirty="0">
+                <a:hlinkClick r:id="rId6"/>
+              </a:rPr>
+              <a:t>https://github.com/nomic-ai/gpt4all</a:t>
+            </a:r>
+            <a:r>
+              <a:rPr lang="fr-FR" dirty="0"/>
+              <a:t> </a:t>
+            </a:r>
+            <a:br>
+              <a:rPr lang="fr-FR" dirty="0"/>
+            </a:br>
+            <a:r>
+              <a:rPr lang="fr-FR" dirty="0"/>
+              <a:t>(GPT4All – </a:t>
+            </a:r>
+            <a:r>
+              <a:rPr lang="fr-FR" dirty="0" err="1"/>
+              <a:t>lokales</a:t>
+            </a:r>
+            <a:r>
+              <a:rPr lang="fr-FR" dirty="0"/>
+              <a:t> LLM)</a:t>
+            </a:r>
+          </a:p>
+          <a:p>
+            <a:r>
+              <a:rPr lang="fr-FR" dirty="0">
+                <a:hlinkClick r:id="rId7"/>
+              </a:rPr>
+              <a:t>https://github.com/stitionai/devika</a:t>
+            </a:r>
+            <a:r>
+              <a:rPr lang="fr-FR" dirty="0"/>
+              <a:t> </a:t>
+            </a:r>
+            <a:br>
+              <a:rPr lang="fr-FR" dirty="0"/>
+            </a:br>
+            <a:r>
+              <a:rPr lang="fr-FR" dirty="0"/>
+              <a:t>(KI </a:t>
+            </a:r>
+            <a:r>
+              <a:rPr lang="fr-FR" dirty="0" err="1"/>
+              <a:t>Softwareentwickler</a:t>
+            </a:r>
+            <a:r>
+              <a:rPr lang="fr-FR" dirty="0"/>
+              <a:t> </a:t>
+            </a:r>
+            <a:r>
+              <a:rPr lang="fr-FR" dirty="0" err="1"/>
+              <a:t>für</a:t>
+            </a:r>
+            <a:r>
+              <a:rPr lang="fr-FR" dirty="0"/>
+              <a:t> </a:t>
+            </a:r>
+            <a:r>
+              <a:rPr lang="fr-FR" dirty="0" err="1"/>
+              <a:t>ganze</a:t>
+            </a:r>
+            <a:r>
+              <a:rPr lang="fr-FR" dirty="0"/>
+              <a:t> </a:t>
+            </a:r>
+            <a:r>
+              <a:rPr lang="fr-FR" dirty="0" err="1"/>
+              <a:t>Projekte</a:t>
+            </a:r>
+            <a:r>
+              <a:rPr lang="fr-FR" dirty="0"/>
+              <a:t>, in </a:t>
+            </a:r>
+            <a:r>
+              <a:rPr lang="fr-FR" dirty="0" err="1"/>
+              <a:t>Pinokio</a:t>
+            </a:r>
+            <a:r>
+              <a:rPr lang="fr-FR" dirty="0"/>
+              <a:t> </a:t>
+            </a:r>
+            <a:r>
+              <a:rPr lang="fr-FR" dirty="0" err="1"/>
+              <a:t>verfügbar</a:t>
+            </a:r>
+            <a:r>
+              <a:rPr lang="fr-FR" dirty="0"/>
+              <a:t>)</a:t>
+            </a:r>
+          </a:p>
+          <a:p>
+            <a:endParaRPr lang="de-DE" dirty="0"/>
+          </a:p>
+        </p:txBody>
+      </p:sp>
+    </p:spTree>
+    <p:extLst>
+      <p:ext uri="{BB962C8B-B14F-4D97-AF65-F5344CB8AC3E}">
+        <p14:creationId xmlns:p14="http://schemas.microsoft.com/office/powerpoint/2010/main" val="1445896945"/>
       </p:ext>
     </p:extLst>
   </p:cSld>

--- a/KI Grundlagen.pptx
+++ b/KI Grundlagen.pptx
@@ -5119,7 +5119,15 @@
           <a:p>
             <a:r>
               <a:rPr lang="de-DE" dirty="0"/>
-              <a:t>Intel Core Ultra CPU (Moon Lake)</a:t>
+              <a:t>Intel Core Ultra </a:t>
+            </a:r>
+            <a:r>
+              <a:rPr lang="de-DE"/>
+              <a:t>CPU (Lunar </a:t>
+            </a:r>
+            <a:r>
+              <a:rPr lang="de-DE" dirty="0"/>
+              <a:t>Lake)</a:t>
             </a:r>
           </a:p>
           <a:p>

--- a/KI Grundlagen.pptx
+++ b/KI Grundlagen.pptx
@@ -266,7 +266,7 @@
           <a:p>
             <a:fld id="{BCACF5CE-CE6F-4B33-8271-848EF84474F6}" type="datetimeFigureOut">
               <a:rPr lang="de-DE" smtClean="0"/>
-              <a:t>07.06.2024</a:t>
+              <a:t>30.01.2025</a:t>
             </a:fld>
             <a:endParaRPr lang="de-DE"/>
           </a:p>
@@ -464,7 +464,7 @@
           <a:p>
             <a:fld id="{BCACF5CE-CE6F-4B33-8271-848EF84474F6}" type="datetimeFigureOut">
               <a:rPr lang="de-DE" smtClean="0"/>
-              <a:t>07.06.2024</a:t>
+              <a:t>30.01.2025</a:t>
             </a:fld>
             <a:endParaRPr lang="de-DE"/>
           </a:p>
@@ -672,7 +672,7 @@
           <a:p>
             <a:fld id="{BCACF5CE-CE6F-4B33-8271-848EF84474F6}" type="datetimeFigureOut">
               <a:rPr lang="de-DE" smtClean="0"/>
-              <a:t>07.06.2024</a:t>
+              <a:t>30.01.2025</a:t>
             </a:fld>
             <a:endParaRPr lang="de-DE"/>
           </a:p>
@@ -870,7 +870,7 @@
           <a:p>
             <a:fld id="{BCACF5CE-CE6F-4B33-8271-848EF84474F6}" type="datetimeFigureOut">
               <a:rPr lang="de-DE" smtClean="0"/>
-              <a:t>07.06.2024</a:t>
+              <a:t>30.01.2025</a:t>
             </a:fld>
             <a:endParaRPr lang="de-DE"/>
           </a:p>
@@ -1145,7 +1145,7 @@
           <a:p>
             <a:fld id="{BCACF5CE-CE6F-4B33-8271-848EF84474F6}" type="datetimeFigureOut">
               <a:rPr lang="de-DE" smtClean="0"/>
-              <a:t>07.06.2024</a:t>
+              <a:t>30.01.2025</a:t>
             </a:fld>
             <a:endParaRPr lang="de-DE"/>
           </a:p>
@@ -1410,7 +1410,7 @@
           <a:p>
             <a:fld id="{BCACF5CE-CE6F-4B33-8271-848EF84474F6}" type="datetimeFigureOut">
               <a:rPr lang="de-DE" smtClean="0"/>
-              <a:t>07.06.2024</a:t>
+              <a:t>30.01.2025</a:t>
             </a:fld>
             <a:endParaRPr lang="de-DE"/>
           </a:p>
@@ -1822,7 +1822,7 @@
           <a:p>
             <a:fld id="{BCACF5CE-CE6F-4B33-8271-848EF84474F6}" type="datetimeFigureOut">
               <a:rPr lang="de-DE" smtClean="0"/>
-              <a:t>07.06.2024</a:t>
+              <a:t>30.01.2025</a:t>
             </a:fld>
             <a:endParaRPr lang="de-DE"/>
           </a:p>
@@ -1963,7 +1963,7 @@
           <a:p>
             <a:fld id="{BCACF5CE-CE6F-4B33-8271-848EF84474F6}" type="datetimeFigureOut">
               <a:rPr lang="de-DE" smtClean="0"/>
-              <a:t>07.06.2024</a:t>
+              <a:t>30.01.2025</a:t>
             </a:fld>
             <a:endParaRPr lang="de-DE"/>
           </a:p>
@@ -2076,7 +2076,7 @@
           <a:p>
             <a:fld id="{BCACF5CE-CE6F-4B33-8271-848EF84474F6}" type="datetimeFigureOut">
               <a:rPr lang="de-DE" smtClean="0"/>
-              <a:t>07.06.2024</a:t>
+              <a:t>30.01.2025</a:t>
             </a:fld>
             <a:endParaRPr lang="de-DE"/>
           </a:p>
@@ -2387,7 +2387,7 @@
           <a:p>
             <a:fld id="{BCACF5CE-CE6F-4B33-8271-848EF84474F6}" type="datetimeFigureOut">
               <a:rPr lang="de-DE" smtClean="0"/>
-              <a:t>07.06.2024</a:t>
+              <a:t>30.01.2025</a:t>
             </a:fld>
             <a:endParaRPr lang="de-DE"/>
           </a:p>
@@ -2675,7 +2675,7 @@
           <a:p>
             <a:fld id="{BCACF5CE-CE6F-4B33-8271-848EF84474F6}" type="datetimeFigureOut">
               <a:rPr lang="de-DE" smtClean="0"/>
-              <a:t>07.06.2024</a:t>
+              <a:t>30.01.2025</a:t>
             </a:fld>
             <a:endParaRPr lang="de-DE"/>
           </a:p>
@@ -2918,7 +2918,7 @@
             <a:fld id="{BCACF5CE-CE6F-4B33-8271-848EF84474F6}" type="datetimeFigureOut">
               <a:rPr lang="de-DE" smtClean="0"/>
               <a:pPr/>
-              <a:t>07.06.2024</a:t>
+              <a:t>30.01.2025</a:t>
             </a:fld>
             <a:endParaRPr lang="de-DE"/>
           </a:p>
@@ -3593,6 +3593,13 @@
               <a:t>für Fachinformatiker</a:t>
             </a:r>
           </a:p>
+          <a:p>
+            <a:pPr algn="l"/>
+            <a:r>
+              <a:rPr lang="de-DE" sz="1400" dirty="0"/>
+              <a:t>Stand 1.2025</a:t>
+            </a:r>
+          </a:p>
         </p:txBody>
       </p:sp>
       <p:sp>
@@ -3890,7 +3897,7 @@
         </p:spPr>
         <p:txBody>
           <a:bodyPr>
-            <a:normAutofit fontScale="92500" lnSpcReduction="10000"/>
+            <a:normAutofit/>
           </a:bodyPr>
           <a:lstStyle/>
           <a:p>
@@ -3900,10 +3907,19 @@
             </a:r>
             <a:r>
               <a:rPr lang="de-DE" dirty="0"/>
-              <a:t>ist die Fähigkeit einer Maschine, menschliche Fähigkeiten wie logisches Denken, Lernen, Planen und Kreativität zu imitieren.</a:t>
-            </a:r>
-          </a:p>
-          <a:p>
+              <a:t>ist die Fähigkeit einer Maschine, menschliche Fähigkeiten wie logisches Denken, Lernen, Planen und Kreativität zu </a:t>
+            </a:r>
+            <a:r>
+              <a:rPr lang="de-DE" b="1" dirty="0"/>
+              <a:t>imitieren</a:t>
+            </a:r>
+            <a:r>
+              <a:rPr lang="de-DE" dirty="0"/>
+              <a:t>.</a:t>
+            </a:r>
+          </a:p>
+          <a:p>
+            <a:pPr lvl="1"/>
             <a:r>
               <a:rPr lang="de-DE" b="1" dirty="0"/>
               <a:t>Maschinelles Lernen </a:t>
@@ -3933,6 +3949,7 @@
             <a:endParaRPr lang="de-DE" dirty="0"/>
           </a:p>
           <a:p>
+            <a:pPr lvl="2"/>
             <a:r>
               <a:rPr lang="de-DE" b="1" dirty="0"/>
               <a:t>Deep Learning </a:t>
@@ -3988,7 +4005,7 @@
         </p:blipFill>
         <p:spPr bwMode="auto">
           <a:xfrm>
-            <a:off x="6462677" y="1840440"/>
+            <a:off x="6462677" y="1274242"/>
             <a:ext cx="5729323" cy="4006909"/>
           </a:xfrm>
           <a:prstGeom prst="rect">
@@ -4180,7 +4197,19 @@
               <a:rPr lang="de-DE" dirty="0">
                 <a:sym typeface="Wingdings" panose="05000000000000000000" pitchFamily="2" charset="2"/>
               </a:rPr>
-              <a:t>)</a:t>
+              <a:t>, </a:t>
+            </a:r>
+            <a:r>
+              <a:rPr lang="de-DE" dirty="0" err="1">
+                <a:sym typeface="Wingdings" panose="05000000000000000000" pitchFamily="2" charset="2"/>
+              </a:rPr>
+              <a:t>DeepSeek</a:t>
+            </a:r>
+            <a:r>
+              <a:rPr lang="de-DE" dirty="0">
+                <a:sym typeface="Wingdings" panose="05000000000000000000" pitchFamily="2" charset="2"/>
+              </a:rPr>
+              <a:t> R1)</a:t>
             </a:r>
           </a:p>
           <a:p>
@@ -5723,109 +5752,109 @@
           <a:lstStyle/>
           <a:p>
             <a:r>
-              <a:rPr lang="fr-FR" dirty="0">
+              <a:rPr lang="fr-FR" sz="2200" dirty="0">
                 <a:hlinkClick r:id="rId2"/>
               </a:rPr>
               <a:t>https://stablediffusionweb.com/</a:t>
             </a:r>
             <a:r>
-              <a:rPr lang="fr-FR" dirty="0"/>
+              <a:rPr lang="fr-FR" sz="2200" dirty="0"/>
               <a:t> </a:t>
             </a:r>
             <a:br>
-              <a:rPr lang="fr-FR" dirty="0"/>
+              <a:rPr lang="fr-FR" sz="2200" dirty="0"/>
             </a:br>
             <a:r>
-              <a:rPr lang="fr-FR" dirty="0"/>
+              <a:rPr lang="fr-FR" sz="2200" dirty="0"/>
               <a:t>(</a:t>
             </a:r>
             <a:r>
-              <a:rPr lang="fr-FR" dirty="0" err="1"/>
+              <a:rPr lang="fr-FR" sz="2200" dirty="0" err="1"/>
               <a:t>Text</a:t>
             </a:r>
             <a:r>
-              <a:rPr lang="fr-FR" dirty="0"/>
+              <a:rPr lang="fr-FR" sz="2200" dirty="0"/>
               <a:t> to Image KI)</a:t>
             </a:r>
           </a:p>
           <a:p>
             <a:r>
-              <a:rPr lang="fr-FR" dirty="0">
+              <a:rPr lang="fr-FR" sz="2200" dirty="0">
                 <a:hlinkClick r:id="rId3"/>
               </a:rPr>
               <a:t>https://stableaudio.com/generate</a:t>
             </a:r>
             <a:r>
-              <a:rPr lang="fr-FR" dirty="0"/>
+              <a:rPr lang="fr-FR" sz="2200" dirty="0"/>
               <a:t> </a:t>
             </a:r>
             <a:br>
-              <a:rPr lang="fr-FR" dirty="0"/>
+              <a:rPr lang="fr-FR" sz="2200" dirty="0"/>
             </a:br>
             <a:r>
-              <a:rPr lang="fr-FR" dirty="0"/>
+              <a:rPr lang="fr-FR" sz="2200" dirty="0"/>
               <a:t>(</a:t>
             </a:r>
             <a:r>
-              <a:rPr lang="fr-FR" dirty="0" err="1"/>
+              <a:rPr lang="fr-FR" sz="2200" dirty="0" err="1"/>
               <a:t>Text</a:t>
             </a:r>
             <a:r>
-              <a:rPr lang="fr-FR" dirty="0"/>
+              <a:rPr lang="fr-FR" sz="2200" dirty="0"/>
               <a:t> to Audio KI)</a:t>
             </a:r>
           </a:p>
           <a:p>
             <a:r>
-              <a:rPr lang="fr-FR" dirty="0">
+              <a:rPr lang="fr-FR" sz="2200" dirty="0">
                 <a:hlinkClick r:id="rId4"/>
               </a:rPr>
               <a:t>https</a:t>
             </a:r>
             <a:r>
-              <a:rPr lang="fr-FR" dirty="0">
+              <a:rPr lang="fr-FR" sz="2200" dirty="0">
                 <a:sym typeface="Wingdings" panose="05000000000000000000" pitchFamily="2" charset="2"/>
                 <a:hlinkClick r:id="rId4"/>
               </a:rPr>
               <a:t>://invideo.io</a:t>
             </a:r>
             <a:r>
-              <a:rPr lang="fr-FR" dirty="0">
+              <a:rPr lang="fr-FR" sz="2200" dirty="0">
                 <a:sym typeface="Wingdings" panose="05000000000000000000" pitchFamily="2" charset="2"/>
               </a:rPr>
               <a:t> </a:t>
             </a:r>
             <a:br>
-              <a:rPr lang="fr-FR" dirty="0">
+              <a:rPr lang="fr-FR" sz="2200" dirty="0">
                 <a:sym typeface="Wingdings" panose="05000000000000000000" pitchFamily="2" charset="2"/>
               </a:rPr>
             </a:br>
             <a:r>
-              <a:rPr lang="fr-FR" dirty="0">
+              <a:rPr lang="fr-FR" sz="2200" dirty="0">
                 <a:sym typeface="Wingdings" panose="05000000000000000000" pitchFamily="2" charset="2"/>
               </a:rPr>
               <a:t>(</a:t>
             </a:r>
             <a:r>
-              <a:rPr lang="fr-FR" dirty="0" err="1">
+              <a:rPr lang="fr-FR" sz="2200" dirty="0" err="1">
                 <a:sym typeface="Wingdings" panose="05000000000000000000" pitchFamily="2" charset="2"/>
               </a:rPr>
               <a:t>Text</a:t>
             </a:r>
             <a:r>
-              <a:rPr lang="fr-FR" dirty="0">
+              <a:rPr lang="fr-FR" sz="2200" dirty="0">
                 <a:sym typeface="Wingdings" panose="05000000000000000000" pitchFamily="2" charset="2"/>
               </a:rPr>
               <a:t> to </a:t>
             </a:r>
             <a:r>
-              <a:rPr lang="fr-FR" dirty="0" err="1">
+              <a:rPr lang="fr-FR" sz="2200" dirty="0" err="1">
                 <a:sym typeface="Wingdings" panose="05000000000000000000" pitchFamily="2" charset="2"/>
               </a:rPr>
               <a:t>Video</a:t>
             </a:r>
             <a:r>
-              <a:rPr lang="fr-FR" dirty="0">
+              <a:rPr lang="fr-FR" sz="2200" dirty="0">
                 <a:sym typeface="Wingdings" panose="05000000000000000000" pitchFamily="2" charset="2"/>
               </a:rPr>
               <a:t> KI)</a:t>
@@ -5833,170 +5862,245 @@
           </a:p>
           <a:p>
             <a:r>
-              <a:rPr lang="fr-FR" dirty="0">
+              <a:rPr lang="fr-FR" sz="2200" dirty="0">
                 <a:hlinkClick r:id="rId5"/>
               </a:rPr>
               <a:t>https://pinokio.computer/</a:t>
             </a:r>
             <a:r>
-              <a:rPr lang="fr-FR" dirty="0"/>
+              <a:rPr lang="fr-FR" sz="2200" dirty="0"/>
               <a:t> </a:t>
             </a:r>
             <a:br>
-              <a:rPr lang="fr-FR" dirty="0"/>
+              <a:rPr lang="fr-FR" sz="2200" dirty="0"/>
             </a:br>
             <a:r>
-              <a:rPr lang="fr-FR" sz="2400" dirty="0"/>
+              <a:rPr lang="fr-FR" sz="2200" dirty="0"/>
               <a:t>(</a:t>
             </a:r>
             <a:r>
-              <a:rPr lang="fr-FR" sz="2400" dirty="0" err="1"/>
+              <a:rPr lang="fr-FR" sz="2200" dirty="0" err="1"/>
               <a:t>Pinokio</a:t>
             </a:r>
             <a:r>
-              <a:rPr lang="fr-FR" sz="2400" dirty="0"/>
+              <a:rPr lang="fr-FR" sz="2200" dirty="0"/>
               <a:t>, </a:t>
             </a:r>
             <a:r>
-              <a:rPr lang="fr-FR" sz="2400" dirty="0" err="1"/>
+              <a:rPr lang="fr-FR" sz="2200" dirty="0" err="1"/>
               <a:t>Plattform</a:t>
             </a:r>
             <a:r>
-              <a:rPr lang="fr-FR" sz="2400" dirty="0"/>
+              <a:rPr lang="fr-FR" sz="2200" dirty="0"/>
               <a:t> </a:t>
             </a:r>
             <a:r>
-              <a:rPr lang="fr-FR" sz="2400" dirty="0" err="1"/>
+              <a:rPr lang="fr-FR" sz="2200" dirty="0" err="1"/>
               <a:t>zum</a:t>
             </a:r>
             <a:r>
-              <a:rPr lang="fr-FR" sz="2400" dirty="0"/>
+              <a:rPr lang="fr-FR" sz="2200" dirty="0"/>
               <a:t> </a:t>
             </a:r>
             <a:r>
-              <a:rPr lang="fr-FR" sz="2400" dirty="0" err="1"/>
+              <a:rPr lang="fr-FR" sz="2200" dirty="0" err="1"/>
               <a:t>lokalen</a:t>
             </a:r>
             <a:r>
-              <a:rPr lang="fr-FR" sz="2400" dirty="0"/>
+              <a:rPr lang="fr-FR" sz="2200" dirty="0"/>
               <a:t> </a:t>
             </a:r>
             <a:r>
-              <a:rPr lang="fr-FR" sz="2400" dirty="0" err="1"/>
+              <a:rPr lang="fr-FR" sz="2200" dirty="0" err="1"/>
               <a:t>Ausführen</a:t>
             </a:r>
             <a:r>
-              <a:rPr lang="fr-FR" sz="2400" dirty="0"/>
+              <a:rPr lang="fr-FR" sz="2200" dirty="0"/>
               <a:t> </a:t>
             </a:r>
             <a:r>
-              <a:rPr lang="fr-FR" sz="2400" dirty="0" err="1"/>
+              <a:rPr lang="fr-FR" sz="2200" dirty="0" err="1"/>
               <a:t>u.a</a:t>
             </a:r>
             <a:r>
-              <a:rPr lang="fr-FR" sz="2400" dirty="0"/>
+              <a:rPr lang="fr-FR" sz="2200" dirty="0"/>
               <a:t>. von KI-</a:t>
             </a:r>
             <a:r>
-              <a:rPr lang="fr-FR" sz="2400" dirty="0" err="1"/>
+              <a:rPr lang="fr-FR" sz="2200" dirty="0" err="1"/>
               <a:t>Applikationen</a:t>
             </a:r>
             <a:r>
-              <a:rPr lang="fr-FR" sz="2400" dirty="0"/>
+              <a:rPr lang="fr-FR" sz="2200" dirty="0"/>
               <a:t>)</a:t>
             </a:r>
           </a:p>
           <a:p>
             <a:r>
-              <a:rPr lang="fr-FR" dirty="0">
+              <a:rPr lang="fr-FR" sz="2200" dirty="0">
                 <a:hlinkClick r:id="rId6"/>
               </a:rPr>
               <a:t>https://github.com/nomic-ai/gpt4all</a:t>
             </a:r>
             <a:r>
-              <a:rPr lang="fr-FR" dirty="0"/>
+              <a:rPr lang="fr-FR" sz="2200" dirty="0"/>
               <a:t> </a:t>
             </a:r>
             <a:br>
-              <a:rPr lang="fr-FR" dirty="0"/>
+              <a:rPr lang="fr-FR" sz="2200" dirty="0"/>
             </a:br>
             <a:r>
-              <a:rPr lang="fr-FR" dirty="0"/>
+              <a:rPr lang="fr-FR" sz="2200" dirty="0"/>
               <a:t>(GPT4All – </a:t>
             </a:r>
             <a:r>
-              <a:rPr lang="fr-FR" dirty="0" err="1"/>
+              <a:rPr lang="fr-FR" sz="2200" dirty="0" err="1"/>
               <a:t>lokales</a:t>
             </a:r>
             <a:r>
-              <a:rPr lang="fr-FR" dirty="0"/>
+              <a:rPr lang="fr-FR" sz="2200" dirty="0"/>
               <a:t> LLM)</a:t>
             </a:r>
           </a:p>
           <a:p>
             <a:r>
-              <a:rPr lang="fr-FR" dirty="0">
+              <a:rPr lang="fr-FR" sz="2200" dirty="0">
                 <a:hlinkClick r:id="rId7"/>
               </a:rPr>
+              <a:t>https://www.ollama.com</a:t>
+            </a:r>
+            <a:r>
+              <a:rPr lang="fr-FR" sz="2200" dirty="0"/>
+              <a:t> </a:t>
+            </a:r>
+            <a:br>
+              <a:rPr lang="fr-FR" sz="2200" dirty="0"/>
+            </a:br>
+            <a:r>
+              <a:rPr lang="fr-FR" sz="2200" dirty="0"/>
+              <a:t>(</a:t>
+            </a:r>
+            <a:r>
+              <a:rPr lang="fr-FR" sz="2200" dirty="0" err="1"/>
+              <a:t>Kostenlose</a:t>
+            </a:r>
+            <a:r>
+              <a:rPr lang="fr-FR" sz="2200" dirty="0"/>
+              <a:t> </a:t>
+            </a:r>
+            <a:r>
+              <a:rPr lang="fr-FR" sz="2200" dirty="0" err="1"/>
+              <a:t>lokale</a:t>
+            </a:r>
+            <a:r>
+              <a:rPr lang="fr-FR" sz="2200" dirty="0"/>
+              <a:t> Installation </a:t>
+            </a:r>
+            <a:r>
+              <a:rPr lang="fr-FR" sz="2200" dirty="0" err="1"/>
+              <a:t>verschiedener</a:t>
+            </a:r>
+            <a:r>
+              <a:rPr lang="fr-FR" sz="2200" dirty="0"/>
+              <a:t> </a:t>
+            </a:r>
+            <a:r>
+              <a:rPr lang="fr-FR" sz="2200" dirty="0" err="1"/>
+              <a:t>LLMs</a:t>
+            </a:r>
+            <a:r>
+              <a:rPr lang="fr-FR" sz="2200" dirty="0"/>
+              <a:t>, </a:t>
+            </a:r>
+            <a:r>
+              <a:rPr lang="fr-FR" sz="2200" dirty="0" err="1"/>
+              <a:t>z.B</a:t>
+            </a:r>
+            <a:r>
+              <a:rPr lang="fr-FR" sz="2200" dirty="0"/>
+              <a:t>. </a:t>
+            </a:r>
+            <a:r>
+              <a:rPr lang="fr-FR" sz="2200" dirty="0" err="1"/>
+              <a:t>DeepSeek</a:t>
+            </a:r>
+            <a:r>
+              <a:rPr lang="fr-FR" sz="2200" dirty="0"/>
+              <a:t>, </a:t>
+            </a:r>
+            <a:r>
+              <a:rPr lang="fr-FR" sz="2200" dirty="0" err="1"/>
+              <a:t>Llama</a:t>
+            </a:r>
+            <a:r>
+              <a:rPr lang="fr-FR" sz="2200" dirty="0"/>
+              <a:t>, Mistral…)</a:t>
+            </a:r>
+          </a:p>
+          <a:p>
+            <a:r>
+              <a:rPr lang="fr-FR" sz="2200" dirty="0">
+                <a:hlinkClick r:id="rId8"/>
+              </a:rPr>
               <a:t>https://github.com/stitionai/devika</a:t>
             </a:r>
             <a:r>
-              <a:rPr lang="fr-FR" dirty="0"/>
+              <a:rPr lang="fr-FR" sz="2200" dirty="0"/>
               <a:t> </a:t>
             </a:r>
             <a:br>
-              <a:rPr lang="fr-FR" dirty="0"/>
+              <a:rPr lang="fr-FR" sz="2200" dirty="0"/>
             </a:br>
             <a:r>
-              <a:rPr lang="fr-FR" dirty="0"/>
+              <a:rPr lang="fr-FR" sz="2200" dirty="0"/>
               <a:t>(KI </a:t>
             </a:r>
             <a:r>
-              <a:rPr lang="fr-FR" dirty="0" err="1"/>
+              <a:rPr lang="fr-FR" sz="2200" dirty="0" err="1"/>
               <a:t>Softwareentwickler</a:t>
             </a:r>
             <a:r>
-              <a:rPr lang="fr-FR" dirty="0"/>
+              <a:rPr lang="fr-FR" sz="2200" dirty="0"/>
               <a:t> </a:t>
             </a:r>
             <a:r>
-              <a:rPr lang="fr-FR" dirty="0" err="1"/>
+              <a:rPr lang="fr-FR" sz="2200" dirty="0" err="1"/>
               <a:t>für</a:t>
             </a:r>
             <a:r>
-              <a:rPr lang="fr-FR" dirty="0"/>
+              <a:rPr lang="fr-FR" sz="2200" dirty="0"/>
               <a:t> </a:t>
             </a:r>
             <a:r>
-              <a:rPr lang="fr-FR" dirty="0" err="1"/>
+              <a:rPr lang="fr-FR" sz="2200" dirty="0" err="1"/>
               <a:t>ganze</a:t>
             </a:r>
             <a:r>
-              <a:rPr lang="fr-FR" dirty="0"/>
+              <a:rPr lang="fr-FR" sz="2200" dirty="0"/>
               <a:t> </a:t>
             </a:r>
             <a:r>
-              <a:rPr lang="fr-FR" dirty="0" err="1"/>
+              <a:rPr lang="fr-FR" sz="2200" dirty="0" err="1"/>
               <a:t>Projekte</a:t>
             </a:r>
             <a:r>
-              <a:rPr lang="fr-FR" dirty="0"/>
+              <a:rPr lang="fr-FR" sz="2200" dirty="0"/>
               <a:t>, in </a:t>
             </a:r>
             <a:r>
-              <a:rPr lang="fr-FR" dirty="0" err="1"/>
+              <a:rPr lang="fr-FR" sz="2200" dirty="0" err="1"/>
               <a:t>Pinokio</a:t>
             </a:r>
             <a:r>
-              <a:rPr lang="fr-FR" dirty="0"/>
+              <a:rPr lang="fr-FR" sz="2200" dirty="0"/>
               <a:t> </a:t>
             </a:r>
             <a:r>
-              <a:rPr lang="fr-FR" dirty="0" err="1"/>
+              <a:rPr lang="fr-FR" sz="2200" dirty="0" err="1"/>
               <a:t>verfügbar</a:t>
             </a:r>
             <a:r>
-              <a:rPr lang="fr-FR" dirty="0"/>
+              <a:rPr lang="fr-FR" sz="2200" dirty="0"/>
               <a:t>)</a:t>
             </a:r>
           </a:p>
